--- a/lectures/old/GNET749_enrichment_analysis_7.pptx
+++ b/lectures/old/GNET749_enrichment_analysis_7.pptx
@@ -4453,7 +4453,7 @@
               <a:rPr lang="en-US" dirty="0" err="1"/>
               <a:t>fgsea</a:t>
             </a:r>
-            <a:endParaRPr dirty="0"/>
+            <a:endParaRPr lang="en-US" dirty="0"/>
           </a:p>
           <a:p>
             <a:pPr marL="444500" indent="-444500" algn="l">
